--- a/05_filas/casos_codigo/clase08_caso_carrefour/ejercicio_integrador_carrefour.pptx
+++ b/05_filas/casos_codigo/clase08_caso_carrefour/ejercicio_integrador_carrefour.pptx
@@ -9041,7 +9041,7 @@
                 <a:cs typeface="Helvetica Neue"/>
                 <a:sym typeface="Helvetica Neue"/>
               </a:rPr>
-              <a:t>Clase 10</a:t>
+              <a:t>Clase 08</a:t>
             </a:r>
             <a:endParaRPr sz="4500" dirty="0">
               <a:latin typeface="Helvetica Neue"/>
@@ -23510,8 +23510,8 @@
           </a:prstGeom>
         </p:spPr>
       </p:pic>
-      <mc:AlternateContent xmlns:mc="http://schemas.openxmlformats.org/markup-compatibility/2006">
-        <mc:Choice xmlns:a14="http://schemas.microsoft.com/office/drawing/2010/main" Requires="a14">
+      <mc:AlternateContent xmlns:mc="http://schemas.openxmlformats.org/markup-compatibility/2006" xmlns:a14="http://schemas.microsoft.com/office/drawing/2010/main">
+        <mc:Choice Requires="a14">
           <p:sp>
             <p:nvSpPr>
               <p:cNvPr id="4" name="CuadroTexto 3">
@@ -23571,7 +23571,7 @@
             </p:txBody>
           </p:sp>
         </mc:Choice>
-        <mc:Fallback>
+        <mc:Fallback xmlns="">
           <p:sp>
             <p:nvSpPr>
               <p:cNvPr id="4" name="CuadroTexto 3">

--- a/05_filas/casos_codigo/clase08_caso_carrefour/ejercicio_integrador_carrefour.pptx
+++ b/05_filas/casos_codigo/clase08_caso_carrefour/ejercicio_integrador_carrefour.pptx
@@ -23723,10 +23723,10 @@
       </p:sp>
       <p:pic>
         <p:nvPicPr>
-          <p:cNvPr id="2" name="Imagen 1">
+          <p:cNvPr id="4" name="Imagen 3">
             <a:extLst>
               <a:ext uri="{FF2B5EF4-FFF2-40B4-BE49-F238E27FC236}">
-                <a16:creationId xmlns:a16="http://schemas.microsoft.com/office/drawing/2014/main" id="{594C0549-F152-4401-A463-672F0179A202}"/>
+                <a16:creationId xmlns:a16="http://schemas.microsoft.com/office/drawing/2014/main" id="{5FC31A3B-28FC-4A42-970E-265ACC5F272A}"/>
               </a:ext>
             </a:extLst>
           </p:cNvPr>
@@ -23743,8 +23743,8 @@
         </p:blipFill>
         <p:spPr>
           <a:xfrm>
-            <a:off x="547511" y="1145113"/>
-            <a:ext cx="8032045" cy="3954018"/>
+            <a:off x="813665" y="1264778"/>
+            <a:ext cx="7509939" cy="3672744"/>
           </a:xfrm>
           <a:prstGeom prst="rect">
             <a:avLst/>
@@ -24572,8 +24572,8 @@
           </p:sp>
         </mc:Fallback>
       </mc:AlternateContent>
-      <mc:AlternateContent xmlns:mc="http://schemas.openxmlformats.org/markup-compatibility/2006" xmlns:a14="http://schemas.microsoft.com/office/drawing/2010/main">
-        <mc:Choice Requires="a14">
+      <mc:AlternateContent xmlns:mc="http://schemas.openxmlformats.org/markup-compatibility/2006">
+        <mc:Choice xmlns:a14="http://schemas.microsoft.com/office/drawing/2010/main" Requires="a14">
           <p:sp>
             <p:nvSpPr>
               <p:cNvPr id="11" name="CuadroTexto 10">
@@ -24589,7 +24589,7 @@
             <p:spPr>
               <a:xfrm>
                 <a:off x="4941710" y="1956197"/>
-                <a:ext cx="2480038" cy="615553"/>
+                <a:ext cx="2891433" cy="644664"/>
               </a:xfrm>
               <a:prstGeom prst="rect">
                 <a:avLst/>
@@ -24621,13 +24621,32 @@
                         </a:rPr>
                         <m:t>=        </m:t>
                       </m:r>
-                      <m:r>
-                        <a:rPr lang="en-US" sz="2000" b="1" i="1" smtClean="0">
-                          <a:latin typeface="Cambria Math" panose="02040503050406030204" pitchFamily="18" charset="0"/>
-                          <a:ea typeface="Cambria Math" panose="02040503050406030204" pitchFamily="18" charset="0"/>
-                        </a:rPr>
-                        <m:t>𝝀</m:t>
-                      </m:r>
+                      <m:sSub>
+                        <m:sSubPr>
+                          <m:ctrlPr>
+                            <a:rPr lang="en-US" sz="2000" b="1" i="1" smtClean="0">
+                              <a:latin typeface="Cambria Math" panose="02040503050406030204" pitchFamily="18" charset="0"/>
+                            </a:rPr>
+                          </m:ctrlPr>
+                        </m:sSubPr>
+                        <m:e>
+                          <m:r>
+                            <a:rPr lang="en-US" sz="2000" b="1" i="1">
+                              <a:latin typeface="Cambria Math" panose="02040503050406030204" pitchFamily="18" charset="0"/>
+                              <a:ea typeface="Cambria Math" panose="02040503050406030204" pitchFamily="18" charset="0"/>
+                            </a:rPr>
+                            <m:t>𝝀</m:t>
+                          </m:r>
+                        </m:e>
+                        <m:sub>
+                          <m:r>
+                            <a:rPr lang="es-ES" sz="2000" b="1" i="1" smtClean="0">
+                              <a:latin typeface="Cambria Math" panose="02040503050406030204" pitchFamily="18" charset="0"/>
+                            </a:rPr>
+                            <m:t>𝒄𝒂𝒋𝒂</m:t>
+                          </m:r>
+                        </m:sub>
+                      </m:sSub>
                       <m:r>
                         <a:rPr lang="en-US" sz="2000" b="1" i="1" smtClean="0">
                           <a:latin typeface="Cambria Math" panose="02040503050406030204" pitchFamily="18" charset="0"/>
@@ -24726,7 +24745,7 @@
             </p:txBody>
           </p:sp>
         </mc:Choice>
-        <mc:Fallback xmlns="">
+        <mc:Fallback>
           <p:sp>
             <p:nvSpPr>
               <p:cNvPr id="11" name="CuadroTexto 10">
@@ -24744,7 +24763,7 @@
             <p:spPr>
               <a:xfrm>
                 <a:off x="4941710" y="1956197"/>
-                <a:ext cx="2480038" cy="615553"/>
+                <a:ext cx="2891433" cy="644664"/>
               </a:xfrm>
               <a:prstGeom prst="rect">
                 <a:avLst/>
@@ -24752,7 +24771,7 @@
               <a:blipFill>
                 <a:blip r:embed="rId6"/>
                 <a:stretch>
-                  <a:fillRect l="-4680" b="-17822"/>
+                  <a:fillRect l="-4008" b="-16038"/>
                 </a:stretch>
               </a:blipFill>
             </p:spPr>
@@ -24761,7 +24780,7 @@
               <a:lstStyle/>
               <a:p>
                 <a:r>
-                  <a:rPr lang="es-AR">
+                  <a:rPr lang="en-US">
                     <a:noFill/>
                   </a:rPr>
                   <a:t> </a:t>
@@ -32109,39 +32128,7 @@
                   <a:schemeClr val="tx1"/>
                 </a:solidFill>
               </a:rPr>
-              <a:t> </a:t>
-            </a:r>
-            <a:r>
-              <a:rPr lang="en-US" sz="1800" dirty="0" err="1">
-                <a:solidFill>
-                  <a:schemeClr val="tx1"/>
-                </a:solidFill>
-              </a:rPr>
-              <a:t>gastos</a:t>
-            </a:r>
-            <a:r>
-              <a:rPr lang="en-US" sz="1800" dirty="0">
-                <a:solidFill>
-                  <a:schemeClr val="tx1"/>
-                </a:solidFill>
-              </a:rPr>
-              <a:t> </a:t>
-            </a:r>
-            <a:r>
-              <a:rPr lang="en-US" sz="1800" dirty="0" err="1">
-                <a:solidFill>
-                  <a:schemeClr val="tx1"/>
-                </a:solidFill>
-              </a:rPr>
-              <a:t>generales</a:t>
-            </a:r>
-            <a:r>
-              <a:rPr lang="en-US" sz="1800" dirty="0">
-                <a:solidFill>
-                  <a:schemeClr val="tx1"/>
-                </a:solidFill>
-              </a:rPr>
-              <a:t>.</a:t>
+              <a:t> RRHH.</a:t>
             </a:r>
           </a:p>
         </p:txBody>

--- a/05_filas/casos_codigo/clase08_caso_carrefour/ejercicio_integrador_carrefour.pptx
+++ b/05_filas/casos_codigo/clase08_caso_carrefour/ejercicio_integrador_carrefour.pptx
@@ -9035,7 +9035,7 @@
               <a:t>Caso Integrador Carrefour: </a:t>
             </a:r>
             <a:r>
-              <a:rPr lang="en" sz="4500" dirty="0">
+              <a:rPr lang="en" sz="4500">
                 <a:latin typeface="Helvetica Neue"/>
                 <a:ea typeface="Helvetica Neue"/>
                 <a:cs typeface="Helvetica Neue"/>
@@ -9096,10 +9096,9 @@
               <a:buNone/>
             </a:pPr>
             <a:r>
-              <a:rPr lang="en" sz="2070" dirty="0"/>
-              <a:t>Investigación Operativa UTN FRBA 2020</a:t>
-            </a:r>
-            <a:endParaRPr sz="2070" dirty="0"/>
+              <a:rPr lang="es-AR" sz="2070" dirty="0"/>
+              <a:t>Investigación Operativa UTN FRBA 2022</a:t>
+            </a:r>
           </a:p>
           <a:p>
             <a:pPr marL="0" lvl="0" indent="0" algn="l" rtl="0">
@@ -9117,10 +9116,9 @@
               <a:buNone/>
             </a:pPr>
             <a:r>
-              <a:rPr lang="en" sz="2070" dirty="0"/>
-              <a:t>Curso: I4051</a:t>
-            </a:r>
-            <a:endParaRPr sz="2070" dirty="0"/>
+              <a:rPr lang="es-AR" sz="2070" dirty="0"/>
+              <a:t>Curso: I4051 (Palazzo)</a:t>
+            </a:r>
           </a:p>
           <a:p>
             <a:pPr marL="0" lvl="0" indent="0" algn="l" rtl="0">
@@ -9138,35 +9136,10 @@
               <a:buNone/>
             </a:pPr>
             <a:r>
-              <a:rPr lang="en" sz="2070" dirty="0"/>
-              <a:t>Elaborado por: </a:t>
-            </a:r>
-            <a:r>
-              <a:rPr lang="en-US" sz="2070" dirty="0"/>
-              <a:t>Rodrigo Maranzana</a:t>
-            </a:r>
-            <a:endParaRPr sz="2070" dirty="0"/>
-          </a:p>
-          <a:p>
-            <a:pPr marL="0" lvl="0" indent="0" algn="l" rtl="0">
-              <a:spcBef>
-                <a:spcPts val="0"/>
-              </a:spcBef>
-              <a:spcAft>
-                <a:spcPts val="0"/>
-              </a:spcAft>
-              <a:buClr>
-                <a:schemeClr val="dk2"/>
-              </a:buClr>
-              <a:buSzPts val="2070"/>
-              <a:buFont typeface="Arial"/>
-              <a:buNone/>
-            </a:pPr>
-            <a:r>
-              <a:rPr lang="en" sz="2070" dirty="0"/>
-              <a:t>Docente: Martín Palazzo</a:t>
-            </a:r>
-            <a:endParaRPr dirty="0">
+              <a:rPr lang="es-AR" sz="2070" dirty="0"/>
+              <a:t>Docente: Rodrigo Maranzana</a:t>
+            </a:r>
+            <a:endParaRPr lang="es-AR" sz="2400" dirty="0">
               <a:latin typeface="Helvetica Neue"/>
               <a:ea typeface="Helvetica Neue"/>
               <a:cs typeface="Helvetica Neue"/>
@@ -24572,8 +24545,8 @@
           </p:sp>
         </mc:Fallback>
       </mc:AlternateContent>
-      <mc:AlternateContent xmlns:mc="http://schemas.openxmlformats.org/markup-compatibility/2006">
-        <mc:Choice xmlns:a14="http://schemas.microsoft.com/office/drawing/2010/main" Requires="a14">
+      <mc:AlternateContent xmlns:mc="http://schemas.openxmlformats.org/markup-compatibility/2006" xmlns:a14="http://schemas.microsoft.com/office/drawing/2010/main">
+        <mc:Choice Requires="a14">
           <p:sp>
             <p:nvSpPr>
               <p:cNvPr id="11" name="CuadroTexto 10">
@@ -24745,7 +24718,7 @@
             </p:txBody>
           </p:sp>
         </mc:Choice>
-        <mc:Fallback>
+        <mc:Fallback xmlns="">
           <p:sp>
             <p:nvSpPr>
               <p:cNvPr id="11" name="CuadroTexto 10">
